--- a/documents/060525_A5_ペルソナ設定シート.pptx
+++ b/documents/060525_A5_ペルソナ設定シート.pptx
@@ -313,7 +313,7 @@
             <a:fld id="{BF80A5BA-5808-439D-8F14-DD23526067FA}" type="datetimeFigureOut">
               <a:rPr lang="ja-JP" altLang="en-US" smtClean="0"/>
               <a:pPr/>
-              <a:t>2025/6/5</a:t>
+              <a:t>2025/6/6</a:t>
             </a:fld>
             <a:endParaRPr lang="ja-JP" altLang="en-US"/>
           </a:p>
@@ -443,7 +443,7 @@
           <a:p>
             <a:fld id="{BF80A5BA-5808-439D-8F14-DD23526067FA}" type="datetimeFigureOut">
               <a:rPr kumimoji="1" lang="ja-JP" altLang="en-US" smtClean="0"/>
-              <a:t>2025/6/5</a:t>
+              <a:t>2025/6/6</a:t>
             </a:fld>
             <a:endParaRPr kumimoji="1" lang="ja-JP" altLang="en-US"/>
           </a:p>
@@ -786,7 +786,7 @@
           <a:p>
             <a:fld id="{BF80A5BA-5808-439D-8F14-DD23526067FA}" type="datetimeFigureOut">
               <a:rPr kumimoji="1" lang="ja-JP" altLang="en-US" smtClean="0"/>
-              <a:t>2025/6/5</a:t>
+              <a:t>2025/6/6</a:t>
             </a:fld>
             <a:endParaRPr kumimoji="1" lang="ja-JP" altLang="en-US"/>
           </a:p>
@@ -1074,7 +1074,7 @@
           <a:p>
             <a:fld id="{BF80A5BA-5808-439D-8F14-DD23526067FA}" type="datetimeFigureOut">
               <a:rPr kumimoji="1" lang="ja-JP" altLang="en-US" smtClean="0"/>
-              <a:t>2025/6/5</a:t>
+              <a:t>2025/6/6</a:t>
             </a:fld>
             <a:endParaRPr kumimoji="1" lang="ja-JP" altLang="en-US"/>
           </a:p>
@@ -1304,7 +1304,7 @@
           <a:p>
             <a:fld id="{BF80A5BA-5808-439D-8F14-DD23526067FA}" type="datetimeFigureOut">
               <a:rPr kumimoji="1" lang="ja-JP" altLang="en-US" smtClean="0"/>
-              <a:t>2025/6/5</a:t>
+              <a:t>2025/6/6</a:t>
             </a:fld>
             <a:endParaRPr kumimoji="1" lang="ja-JP" altLang="en-US"/>
           </a:p>
@@ -1544,7 +1544,7 @@
           <a:p>
             <a:fld id="{BF80A5BA-5808-439D-8F14-DD23526067FA}" type="datetimeFigureOut">
               <a:rPr kumimoji="1" lang="ja-JP" altLang="en-US" smtClean="0"/>
-              <a:t>2025/6/5</a:t>
+              <a:t>2025/6/6</a:t>
             </a:fld>
             <a:endParaRPr kumimoji="1" lang="ja-JP" altLang="en-US"/>
           </a:p>
@@ -1868,7 +1868,7 @@
           <a:p>
             <a:fld id="{BF80A5BA-5808-439D-8F14-DD23526067FA}" type="datetimeFigureOut">
               <a:rPr kumimoji="1" lang="ja-JP" altLang="en-US" smtClean="0"/>
-              <a:t>2025/6/5</a:t>
+              <a:t>2025/6/6</a:t>
             </a:fld>
             <a:endParaRPr kumimoji="1" lang="ja-JP" altLang="en-US"/>
           </a:p>
@@ -2616,7 +2616,7 @@
           <a:p>
             <a:fld id="{BF80A5BA-5808-439D-8F14-DD23526067FA}" type="datetimeFigureOut">
               <a:rPr kumimoji="1" lang="ja-JP" altLang="en-US" smtClean="0"/>
-              <a:t>2025/6/5</a:t>
+              <a:t>2025/6/6</a:t>
             </a:fld>
             <a:endParaRPr kumimoji="1" lang="ja-JP" altLang="en-US"/>
           </a:p>
@@ -2937,7 +2937,7 @@
           <a:p>
             <a:fld id="{BF80A5BA-5808-439D-8F14-DD23526067FA}" type="datetimeFigureOut">
               <a:rPr kumimoji="1" lang="ja-JP" altLang="en-US" smtClean="0"/>
-              <a:t>2025/6/5</a:t>
+              <a:t>2025/6/6</a:t>
             </a:fld>
             <a:endParaRPr kumimoji="1" lang="ja-JP" altLang="en-US"/>
           </a:p>
@@ -3167,7 +3167,7 @@
           <a:p>
             <a:fld id="{BF80A5BA-5808-439D-8F14-DD23526067FA}" type="datetimeFigureOut">
               <a:rPr kumimoji="1" lang="ja-JP" altLang="en-US" smtClean="0"/>
-              <a:t>2025/6/5</a:t>
+              <a:t>2025/6/6</a:t>
             </a:fld>
             <a:endParaRPr kumimoji="1" lang="ja-JP" altLang="en-US"/>
           </a:p>
@@ -3442,7 +3442,7 @@
           <a:p>
             <a:fld id="{BF80A5BA-5808-439D-8F14-DD23526067FA}" type="datetimeFigureOut">
               <a:rPr kumimoji="1" lang="ja-JP" altLang="en-US" smtClean="0"/>
-              <a:t>2025/6/5</a:t>
+              <a:t>2025/6/6</a:t>
             </a:fld>
             <a:endParaRPr kumimoji="1" lang="ja-JP" altLang="en-US"/>
           </a:p>
@@ -3771,7 +3771,7 @@
           <a:p>
             <a:fld id="{BF80A5BA-5808-439D-8F14-DD23526067FA}" type="datetimeFigureOut">
               <a:rPr kumimoji="1" lang="ja-JP" altLang="en-US" smtClean="0"/>
-              <a:t>2025/6/5</a:t>
+              <a:t>2025/6/6</a:t>
             </a:fld>
             <a:endParaRPr kumimoji="1" lang="ja-JP" altLang="en-US"/>
           </a:p>
@@ -4247,7 +4247,7 @@
           <a:p>
             <a:fld id="{BF80A5BA-5808-439D-8F14-DD23526067FA}" type="datetimeFigureOut">
               <a:rPr kumimoji="1" lang="ja-JP" altLang="en-US" smtClean="0"/>
-              <a:t>2025/6/5</a:t>
+              <a:t>2025/6/6</a:t>
             </a:fld>
             <a:endParaRPr kumimoji="1" lang="ja-JP" altLang="en-US"/>
           </a:p>
@@ -4388,7 +4388,7 @@
           <a:p>
             <a:fld id="{BF80A5BA-5808-439D-8F14-DD23526067FA}" type="datetimeFigureOut">
               <a:rPr kumimoji="1" lang="ja-JP" altLang="en-US" smtClean="0"/>
-              <a:t>2025/6/5</a:t>
+              <a:t>2025/6/6</a:t>
             </a:fld>
             <a:endParaRPr kumimoji="1" lang="ja-JP" altLang="en-US"/>
           </a:p>
@@ -4661,7 +4661,7 @@
             <a:fld id="{BF80A5BA-5808-439D-8F14-DD23526067FA}" type="datetimeFigureOut">
               <a:rPr lang="ja-JP" altLang="en-US" smtClean="0"/>
               <a:pPr/>
-              <a:t>2025/6/5</a:t>
+              <a:t>2025/6/6</a:t>
             </a:fld>
             <a:endParaRPr lang="ja-JP" altLang="en-US"/>
           </a:p>
@@ -6799,7 +6799,7 @@
           <a:bodyPr/>
           <a:lstStyle/>
           <a:p>
-            <a:endParaRPr lang="ja-JP" altLang="en-US"/>
+            <a:endParaRPr lang="ja-JP" altLang="en-US" dirty="0"/>
           </a:p>
         </p:txBody>
       </p:sp>
@@ -6893,6 +6893,13 @@
             </a:r>
             <a:endParaRPr lang="en-US" altLang="ja-JP" dirty="0"/>
           </a:p>
+          <a:p>
+            <a:r>
+              <a:rPr lang="ja-JP" altLang="en-US" dirty="0"/>
+              <a:t>カフェのメニューはコーヒーと、旬のフルーツを使ったケーキとスコーンとワッフル。</a:t>
+            </a:r>
+            <a:endParaRPr lang="en-US" altLang="ja-JP" dirty="0"/>
+          </a:p>
         </p:txBody>
       </p:sp>
       <p:sp>
@@ -6965,15 +6972,7 @@
           <a:p>
             <a:r>
               <a:rPr lang="ja-JP" altLang="en-US" dirty="0"/>
-              <a:t>職業：山梨県内カフェの店長（</a:t>
-            </a:r>
-            <a:r>
-              <a:rPr lang="en-US" altLang="ja-JP" dirty="0"/>
-              <a:t>25</a:t>
-            </a:r>
-            <a:r>
-              <a:rPr lang="ja-JP" altLang="en-US" dirty="0"/>
-              <a:t>席程度）</a:t>
+              <a:t>職業：山梨県内カフェの店長（席程度）</a:t>
             </a:r>
             <a:endParaRPr lang="en-US" altLang="ja-JP" dirty="0"/>
           </a:p>
